--- a/毕业设计文档/图片表格/示例图.pptx
+++ b/毕业设计文档/图片表格/示例图.pptx
@@ -114,6 +114,11 @@
       </a:defRPr>
     </a:lvl9pPr>
   </p:defaultTextStyle>
+  <p:extLst>
+    <p:ext uri="{EFAFB233-063F-42B5-8137-9DF3F51BA10A}">
+      <p15:sldGuideLst xmlns:p15="http://schemas.microsoft.com/office/powerpoint/2012/main"/>
+    </p:ext>
+  </p:extLst>
 </p:presentation>
 </file>
 
@@ -264,7 +269,7 @@
           <a:p>
             <a:fld id="{9B84C2BF-3960-4C5A-8C9C-2BD04AAEB3D9}" type="datetimeFigureOut">
               <a:rPr lang="zh-CN" altLang="en-US" smtClean="0"/>
-              <a:t>2023/3/25</a:t>
+              <a:t>2023/3/30</a:t>
             </a:fld>
             <a:endParaRPr lang="zh-CN" altLang="en-US"/>
           </a:p>
@@ -462,7 +467,7 @@
           <a:p>
             <a:fld id="{9B84C2BF-3960-4C5A-8C9C-2BD04AAEB3D9}" type="datetimeFigureOut">
               <a:rPr lang="zh-CN" altLang="en-US" smtClean="0"/>
-              <a:t>2023/3/25</a:t>
+              <a:t>2023/3/30</a:t>
             </a:fld>
             <a:endParaRPr lang="zh-CN" altLang="en-US"/>
           </a:p>
@@ -670,7 +675,7 @@
           <a:p>
             <a:fld id="{9B84C2BF-3960-4C5A-8C9C-2BD04AAEB3D9}" type="datetimeFigureOut">
               <a:rPr lang="zh-CN" altLang="en-US" smtClean="0"/>
-              <a:t>2023/3/25</a:t>
+              <a:t>2023/3/30</a:t>
             </a:fld>
             <a:endParaRPr lang="zh-CN" altLang="en-US"/>
           </a:p>
@@ -868,7 +873,7 @@
           <a:p>
             <a:fld id="{9B84C2BF-3960-4C5A-8C9C-2BD04AAEB3D9}" type="datetimeFigureOut">
               <a:rPr lang="zh-CN" altLang="en-US" smtClean="0"/>
-              <a:t>2023/3/25</a:t>
+              <a:t>2023/3/30</a:t>
             </a:fld>
             <a:endParaRPr lang="zh-CN" altLang="en-US"/>
           </a:p>
@@ -1143,7 +1148,7 @@
           <a:p>
             <a:fld id="{9B84C2BF-3960-4C5A-8C9C-2BD04AAEB3D9}" type="datetimeFigureOut">
               <a:rPr lang="zh-CN" altLang="en-US" smtClean="0"/>
-              <a:t>2023/3/25</a:t>
+              <a:t>2023/3/30</a:t>
             </a:fld>
             <a:endParaRPr lang="zh-CN" altLang="en-US"/>
           </a:p>
@@ -1408,7 +1413,7 @@
           <a:p>
             <a:fld id="{9B84C2BF-3960-4C5A-8C9C-2BD04AAEB3D9}" type="datetimeFigureOut">
               <a:rPr lang="zh-CN" altLang="en-US" smtClean="0"/>
-              <a:t>2023/3/25</a:t>
+              <a:t>2023/3/30</a:t>
             </a:fld>
             <a:endParaRPr lang="zh-CN" altLang="en-US"/>
           </a:p>
@@ -1820,7 +1825,7 @@
           <a:p>
             <a:fld id="{9B84C2BF-3960-4C5A-8C9C-2BD04AAEB3D9}" type="datetimeFigureOut">
               <a:rPr lang="zh-CN" altLang="en-US" smtClean="0"/>
-              <a:t>2023/3/25</a:t>
+              <a:t>2023/3/30</a:t>
             </a:fld>
             <a:endParaRPr lang="zh-CN" altLang="en-US"/>
           </a:p>
@@ -1961,7 +1966,7 @@
           <a:p>
             <a:fld id="{9B84C2BF-3960-4C5A-8C9C-2BD04AAEB3D9}" type="datetimeFigureOut">
               <a:rPr lang="zh-CN" altLang="en-US" smtClean="0"/>
-              <a:t>2023/3/25</a:t>
+              <a:t>2023/3/30</a:t>
             </a:fld>
             <a:endParaRPr lang="zh-CN" altLang="en-US"/>
           </a:p>
@@ -2074,7 +2079,7 @@
           <a:p>
             <a:fld id="{9B84C2BF-3960-4C5A-8C9C-2BD04AAEB3D9}" type="datetimeFigureOut">
               <a:rPr lang="zh-CN" altLang="en-US" smtClean="0"/>
-              <a:t>2023/3/25</a:t>
+              <a:t>2023/3/30</a:t>
             </a:fld>
             <a:endParaRPr lang="zh-CN" altLang="en-US"/>
           </a:p>
@@ -2385,7 +2390,7 @@
           <a:p>
             <a:fld id="{9B84C2BF-3960-4C5A-8C9C-2BD04AAEB3D9}" type="datetimeFigureOut">
               <a:rPr lang="zh-CN" altLang="en-US" smtClean="0"/>
-              <a:t>2023/3/25</a:t>
+              <a:t>2023/3/30</a:t>
             </a:fld>
             <a:endParaRPr lang="zh-CN" altLang="en-US"/>
           </a:p>
@@ -2673,7 +2678,7 @@
           <a:p>
             <a:fld id="{9B84C2BF-3960-4C5A-8C9C-2BD04AAEB3D9}" type="datetimeFigureOut">
               <a:rPr lang="zh-CN" altLang="en-US" smtClean="0"/>
-              <a:t>2023/3/25</a:t>
+              <a:t>2023/3/30</a:t>
             </a:fld>
             <a:endParaRPr lang="zh-CN" altLang="en-US"/>
           </a:p>
@@ -2914,7 +2919,7 @@
           <a:p>
             <a:fld id="{9B84C2BF-3960-4C5A-8C9C-2BD04AAEB3D9}" type="datetimeFigureOut">
               <a:rPr lang="zh-CN" altLang="en-US" smtClean="0"/>
-              <a:t>2023/3/25</a:t>
+              <a:t>2023/3/30</a:t>
             </a:fld>
             <a:endParaRPr lang="zh-CN" altLang="en-US"/>
           </a:p>
